--- a/_ctsi/ctsi_presentation.pptx
+++ b/_ctsi/ctsi_presentation.pptx
@@ -7,8 +7,11 @@
   <p:sldIdLst>
     <p:sldId id="256" r:id="rId2"/>
     <p:sldId id="259" r:id="rId3"/>
-    <p:sldId id="257" r:id="rId4"/>
+    <p:sldId id="261" r:id="rId4"/>
     <p:sldId id="258" r:id="rId5"/>
+    <p:sldId id="257" r:id="rId6"/>
+    <p:sldId id="262" r:id="rId7"/>
+    <p:sldId id="260" r:id="rId8"/>
   </p:sldIdLst>
   <p:sldSz cx="12192000" cy="6858000"/>
   <p:notesSz cx="6858000" cy="9144000"/>
@@ -262,7 +265,7 @@
           <a:p>
             <a:fld id="{2A6AE054-915C-443A-A6A0-D72466CEFB75}" type="datetimeFigureOut">
               <a:rPr lang="en-US" smtClean="0"/>
-              <a:t>9/16/2019</a:t>
+              <a:t>9/18/2019</a:t>
             </a:fld>
             <a:endParaRPr lang="en-US"/>
           </a:p>
@@ -460,7 +463,7 @@
           <a:p>
             <a:fld id="{2A6AE054-915C-443A-A6A0-D72466CEFB75}" type="datetimeFigureOut">
               <a:rPr lang="en-US" smtClean="0"/>
-              <a:t>9/16/2019</a:t>
+              <a:t>9/18/2019</a:t>
             </a:fld>
             <a:endParaRPr lang="en-US"/>
           </a:p>
@@ -668,7 +671,7 @@
           <a:p>
             <a:fld id="{2A6AE054-915C-443A-A6A0-D72466CEFB75}" type="datetimeFigureOut">
               <a:rPr lang="en-US" smtClean="0"/>
-              <a:t>9/16/2019</a:t>
+              <a:t>9/18/2019</a:t>
             </a:fld>
             <a:endParaRPr lang="en-US"/>
           </a:p>
@@ -866,7 +869,7 @@
           <a:p>
             <a:fld id="{2A6AE054-915C-443A-A6A0-D72466CEFB75}" type="datetimeFigureOut">
               <a:rPr lang="en-US" smtClean="0"/>
-              <a:t>9/16/2019</a:t>
+              <a:t>9/18/2019</a:t>
             </a:fld>
             <a:endParaRPr lang="en-US"/>
           </a:p>
@@ -1141,7 +1144,7 @@
           <a:p>
             <a:fld id="{2A6AE054-915C-443A-A6A0-D72466CEFB75}" type="datetimeFigureOut">
               <a:rPr lang="en-US" smtClean="0"/>
-              <a:t>9/16/2019</a:t>
+              <a:t>9/18/2019</a:t>
             </a:fld>
             <a:endParaRPr lang="en-US"/>
           </a:p>
@@ -1406,7 +1409,7 @@
           <a:p>
             <a:fld id="{2A6AE054-915C-443A-A6A0-D72466CEFB75}" type="datetimeFigureOut">
               <a:rPr lang="en-US" smtClean="0"/>
-              <a:t>9/16/2019</a:t>
+              <a:t>9/18/2019</a:t>
             </a:fld>
             <a:endParaRPr lang="en-US"/>
           </a:p>
@@ -1818,7 +1821,7 @@
           <a:p>
             <a:fld id="{2A6AE054-915C-443A-A6A0-D72466CEFB75}" type="datetimeFigureOut">
               <a:rPr lang="en-US" smtClean="0"/>
-              <a:t>9/16/2019</a:t>
+              <a:t>9/18/2019</a:t>
             </a:fld>
             <a:endParaRPr lang="en-US"/>
           </a:p>
@@ -1959,7 +1962,7 @@
           <a:p>
             <a:fld id="{2A6AE054-915C-443A-A6A0-D72466CEFB75}" type="datetimeFigureOut">
               <a:rPr lang="en-US" smtClean="0"/>
-              <a:t>9/16/2019</a:t>
+              <a:t>9/18/2019</a:t>
             </a:fld>
             <a:endParaRPr lang="en-US"/>
           </a:p>
@@ -2072,7 +2075,7 @@
           <a:p>
             <a:fld id="{2A6AE054-915C-443A-A6A0-D72466CEFB75}" type="datetimeFigureOut">
               <a:rPr lang="en-US" smtClean="0"/>
-              <a:t>9/16/2019</a:t>
+              <a:t>9/18/2019</a:t>
             </a:fld>
             <a:endParaRPr lang="en-US"/>
           </a:p>
@@ -2383,7 +2386,7 @@
           <a:p>
             <a:fld id="{2A6AE054-915C-443A-A6A0-D72466CEFB75}" type="datetimeFigureOut">
               <a:rPr lang="en-US" smtClean="0"/>
-              <a:t>9/16/2019</a:t>
+              <a:t>9/18/2019</a:t>
             </a:fld>
             <a:endParaRPr lang="en-US"/>
           </a:p>
@@ -2671,7 +2674,7 @@
           <a:p>
             <a:fld id="{2A6AE054-915C-443A-A6A0-D72466CEFB75}" type="datetimeFigureOut">
               <a:rPr lang="en-US" smtClean="0"/>
-              <a:t>9/16/2019</a:t>
+              <a:t>9/18/2019</a:t>
             </a:fld>
             <a:endParaRPr lang="en-US"/>
           </a:p>
@@ -2912,7 +2915,7 @@
           <a:p>
             <a:fld id="{2A6AE054-915C-443A-A6A0-D72466CEFB75}" type="datetimeFigureOut">
               <a:rPr lang="en-US" smtClean="0"/>
-              <a:t>9/16/2019</a:t>
+              <a:t>9/18/2019</a:t>
             </a:fld>
             <a:endParaRPr lang="en-US"/>
           </a:p>
@@ -3351,11 +3354,7 @@
           <a:lstStyle/>
           <a:p>
             <a:r>
-              <a:rPr lang="en-US" dirty="0">
-                <a:solidFill>
-                  <a:srgbClr val="3166C8"/>
-                </a:solidFill>
-              </a:rPr>
+              <a:rPr lang="en-US" dirty="0"/>
               <a:t>The UF DataStory Initiative</a:t>
             </a:r>
           </a:p>
@@ -3439,11 +3438,7 @@
           <a:p>
             <a:pPr algn="ctr"/>
             <a:r>
-              <a:rPr lang="en-US" dirty="0">
-                <a:solidFill>
-                  <a:srgbClr val="3166B6"/>
-                </a:solidFill>
-              </a:rPr>
+              <a:rPr lang="en-US" dirty="0"/>
               <a:t>Agenda</a:t>
             </a:r>
           </a:p>
@@ -3491,10 +3486,16 @@
               <a:buChar char="v"/>
             </a:pPr>
             <a:r>
+              <a:rPr lang="en-US" dirty="0" smtClean="0">
+                <a:latin typeface="+mj-lt"/>
+              </a:rPr>
+              <a:t> Why </a:t>
+            </a:r>
+            <a:r>
               <a:rPr lang="en-US" dirty="0">
                 <a:latin typeface="+mj-lt"/>
               </a:rPr>
-              <a:t>Why do we need a new approach to data education?</a:t>
+              <a:t>do we need a new approach to data education?</a:t>
             </a:r>
           </a:p>
           <a:p>
@@ -3506,7 +3507,31 @@
               <a:rPr lang="en-US" dirty="0">
                 <a:latin typeface="+mj-lt"/>
               </a:rPr>
-              <a:t> What is a DataStory and the DataStory Method of Instruction?</a:t>
+              <a:t> What is a DataStory and the DataStory </a:t>
+            </a:r>
+            <a:r>
+              <a:rPr lang="en-US" dirty="0" smtClean="0">
+                <a:latin typeface="+mj-lt"/>
+              </a:rPr>
+              <a:t>method </a:t>
+            </a:r>
+            <a:r>
+              <a:rPr lang="en-US" dirty="0">
+                <a:latin typeface="+mj-lt"/>
+              </a:rPr>
+              <a:t>of </a:t>
+            </a:r>
+            <a:r>
+              <a:rPr lang="en-US" dirty="0" smtClean="0">
+                <a:latin typeface="+mj-lt"/>
+              </a:rPr>
+              <a:t>instruction</a:t>
+            </a:r>
+            <a:r>
+              <a:rPr lang="en-US" dirty="0">
+                <a:latin typeface="+mj-lt"/>
+              </a:rPr>
+              <a:t>?</a:t>
             </a:r>
           </a:p>
           <a:p>
@@ -3518,8 +3543,23 @@
               <a:rPr lang="en-US" dirty="0">
                 <a:latin typeface="+mj-lt"/>
               </a:rPr>
-              <a:t> How will we know if the DataStory Learning Experience is effective?</a:t>
-            </a:r>
+              <a:t> How </a:t>
+            </a:r>
+            <a:r>
+              <a:rPr lang="en-US" dirty="0" smtClean="0">
+                <a:latin typeface="+mj-lt"/>
+              </a:rPr>
+              <a:t>will we determine if this new approach works</a:t>
+            </a:r>
+            <a:r>
+              <a:rPr lang="en-US" dirty="0" smtClean="0">
+                <a:latin typeface="+mj-lt"/>
+              </a:rPr>
+              <a:t>?</a:t>
+            </a:r>
+            <a:endParaRPr lang="en-US" dirty="0">
+              <a:latin typeface="+mj-lt"/>
+            </a:endParaRPr>
           </a:p>
           <a:p>
             <a:pPr>
@@ -3542,6 +3582,13 @@
   <p:clrMapOvr>
     <a:masterClrMapping/>
   </p:clrMapOvr>
+  <p:timing>
+    <p:tnLst>
+      <p:par>
+        <p:cTn id="1" dur="indefinite" restart="never" nodeType="tmRoot"/>
+      </p:par>
+    </p:tnLst>
+  </p:timing>
 </p:sld>
 </file>
 
@@ -3564,13 +3611,7 @@
       </p:grpSpPr>
       <p:sp>
         <p:nvSpPr>
-          <p:cNvPr id="2" name="Title 1">
-            <a:extLst>
-              <a:ext uri="{FF2B5EF4-FFF2-40B4-BE49-F238E27FC236}">
-                <a16:creationId xmlns:a16="http://schemas.microsoft.com/office/drawing/2014/main" id="{502D2AB3-DA77-4038-B758-0BC8EB0DACD5}"/>
-              </a:ext>
-            </a:extLst>
-          </p:cNvPr>
+          <p:cNvPr id="2" name="Title 1"/>
           <p:cNvSpPr>
             <a:spLocks noGrp="1"/>
           </p:cNvSpPr>
@@ -3585,26 +3626,16 @@
           <a:p>
             <a:pPr algn="ctr"/>
             <a:r>
-              <a:rPr lang="en-US" dirty="0">
-                <a:solidFill>
-                  <a:srgbClr val="384EA4"/>
-                </a:solidFill>
-              </a:rPr>
-              <a:t>Packaging of the Content</a:t>
-            </a:r>
+              <a:rPr lang="en-US" dirty="0" smtClean="0"/>
+              <a:t>The Data Deluge</a:t>
+            </a:r>
+            <a:endParaRPr lang="en-US" dirty="0"/>
           </a:p>
         </p:txBody>
       </p:sp>
       <p:pic>
         <p:nvPicPr>
-          <p:cNvPr id="5" name="Content Placeholder 4">
-            <a:hlinkClick r:id="rId2"/>
-            <a:extLst>
-              <a:ext uri="{FF2B5EF4-FFF2-40B4-BE49-F238E27FC236}">
-                <a16:creationId xmlns:a16="http://schemas.microsoft.com/office/drawing/2014/main" id="{ACC3D3C8-F4F8-4395-B5E3-7FA5A911A35F}"/>
-              </a:ext>
-            </a:extLst>
-          </p:cNvPr>
+          <p:cNvPr id="10" name="Content Placeholder 9"/>
           <p:cNvPicPr>
             <a:picLocks noGrp="1" noChangeAspect="1"/>
           </p:cNvPicPr>
@@ -3613,7 +3644,7 @@
           </p:nvPr>
         </p:nvPicPr>
         <p:blipFill>
-          <a:blip r:embed="rId3">
+          <a:blip r:embed="rId2">
             <a:extLst>
               <a:ext uri="{28A0092B-C50C-407E-A947-70E740481C1C}">
                 <a14:useLocalDpi xmlns:a14="http://schemas.microsoft.com/office/drawing/2010/main" val="0"/>
@@ -3626,15 +3657,24 @@
         </p:blipFill>
         <p:spPr>
           <a:xfrm>
-            <a:off x="4155818" y="2071098"/>
-            <a:ext cx="3880363" cy="3880363"/>
+            <a:off x="3143250" y="2039144"/>
+            <a:ext cx="5905500" cy="3924300"/>
           </a:xfrm>
+          <a:ln w="3175">
+            <a:solidFill>
+              <a:schemeClr val="tx1">
+                <a:lumMod val="75000"/>
+                <a:lumOff val="25000"/>
+                <a:alpha val="50000"/>
+              </a:schemeClr>
+            </a:solidFill>
+          </a:ln>
         </p:spPr>
       </p:pic>
     </p:spTree>
     <p:extLst>
       <p:ext uri="{BB962C8B-B14F-4D97-AF65-F5344CB8AC3E}">
-        <p14:creationId xmlns:p14="http://schemas.microsoft.com/office/powerpoint/2010/main" val="1353217735"/>
+        <p14:creationId xmlns:p14="http://schemas.microsoft.com/office/powerpoint/2010/main" val="2397174409"/>
       </p:ext>
     </p:extLst>
   </p:cSld>
@@ -3684,25 +3724,16 @@
           <a:p>
             <a:pPr algn="ctr"/>
             <a:r>
-              <a:rPr lang="en-US" dirty="0">
-                <a:solidFill>
-                  <a:srgbClr val="384EA4"/>
-                </a:solidFill>
-              </a:rPr>
-              <a:t>Inadequate Technical Foundation</a:t>
-            </a:r>
+              <a:rPr lang="en-US" dirty="0" smtClean="0"/>
+              <a:t>Foundation Issues</a:t>
+            </a:r>
+            <a:endParaRPr lang="en-US" dirty="0"/>
           </a:p>
         </p:txBody>
       </p:sp>
       <p:pic>
         <p:nvPicPr>
-          <p:cNvPr id="5" name="Content Placeholder 4">
-            <a:extLst>
-              <a:ext uri="{FF2B5EF4-FFF2-40B4-BE49-F238E27FC236}">
-                <a16:creationId xmlns:a16="http://schemas.microsoft.com/office/drawing/2014/main" id="{13D2F9E6-EFEC-48BD-AD33-A7C49EA5E4D3}"/>
-              </a:ext>
-            </a:extLst>
-          </p:cNvPr>
+          <p:cNvPr id="4" name="Content Placeholder 3"/>
           <p:cNvPicPr>
             <a:picLocks noGrp="1" noChangeAspect="1"/>
           </p:cNvPicPr>
@@ -3724,15 +3755,326 @@
         </p:blipFill>
         <p:spPr>
           <a:xfrm>
-            <a:off x="2829984" y="1825625"/>
-            <a:ext cx="6532031" cy="4351338"/>
+            <a:off x="3542203" y="2072163"/>
+            <a:ext cx="5107594" cy="3830696"/>
+          </a:xfrm>
+          <a:ln w="3175">
+            <a:solidFill>
+              <a:schemeClr val="tx1">
+                <a:lumMod val="75000"/>
+                <a:lumOff val="25000"/>
+              </a:schemeClr>
+            </a:solidFill>
+          </a:ln>
+        </p:spPr>
+      </p:pic>
+    </p:spTree>
+    <p:extLst>
+      <p:ext uri="{BB962C8B-B14F-4D97-AF65-F5344CB8AC3E}">
+        <p14:creationId xmlns:p14="http://schemas.microsoft.com/office/powerpoint/2010/main" val="300960600"/>
+      </p:ext>
+    </p:extLst>
+  </p:cSld>
+  <p:clrMapOvr>
+    <a:masterClrMapping/>
+  </p:clrMapOvr>
+  <p:timing>
+    <p:tnLst>
+      <p:par>
+        <p:cTn id="1" dur="indefinite" restart="never" nodeType="tmRoot"/>
+      </p:par>
+    </p:tnLst>
+  </p:timing>
+</p:sld>
+</file>
+
+<file path=ppt/slides/slide5.xml><?xml version="1.0" encoding="utf-8"?>
+<p:sld xmlns:a="http://schemas.openxmlformats.org/drawingml/2006/main" xmlns:r="http://schemas.openxmlformats.org/officeDocument/2006/relationships" xmlns:p="http://schemas.openxmlformats.org/presentationml/2006/main">
+  <p:cSld>
+    <p:spTree>
+      <p:nvGrpSpPr>
+        <p:cNvPr id="1" name=""/>
+        <p:cNvGrpSpPr/>
+        <p:nvPr/>
+      </p:nvGrpSpPr>
+      <p:grpSpPr>
+        <a:xfrm>
+          <a:off x="0" y="0"/>
+          <a:ext cx="0" cy="0"/>
+          <a:chOff x="0" y="0"/>
+          <a:chExt cx="0" cy="0"/>
+        </a:xfrm>
+      </p:grpSpPr>
+      <p:sp>
+        <p:nvSpPr>
+          <p:cNvPr id="2" name="Title 1">
+            <a:extLst>
+              <a:ext uri="{FF2B5EF4-FFF2-40B4-BE49-F238E27FC236}">
+                <a16:creationId xmlns:a16="http://schemas.microsoft.com/office/drawing/2014/main" id="{502D2AB3-DA77-4038-B758-0BC8EB0DACD5}"/>
+              </a:ext>
+            </a:extLst>
+          </p:cNvPr>
+          <p:cNvSpPr>
+            <a:spLocks noGrp="1"/>
+          </p:cNvSpPr>
+          <p:nvPr>
+            <p:ph type="title"/>
+          </p:nvPr>
+        </p:nvSpPr>
+        <p:spPr/>
+        <p:txBody>
+          <a:bodyPr/>
+          <a:lstStyle/>
+          <a:p>
+            <a:pPr algn="ctr"/>
+            <a:r>
+              <a:rPr lang="en-US" dirty="0" smtClean="0"/>
+              <a:t>Pedagogical Issues</a:t>
+            </a:r>
+            <a:endParaRPr lang="en-US" dirty="0"/>
+          </a:p>
+        </p:txBody>
+      </p:sp>
+      <p:pic>
+        <p:nvPicPr>
+          <p:cNvPr id="5" name="Content Placeholder 4">
+            <a:hlinkClick r:id="rId2"/>
+            <a:extLst>
+              <a:ext uri="{FF2B5EF4-FFF2-40B4-BE49-F238E27FC236}">
+                <a16:creationId xmlns:a16="http://schemas.microsoft.com/office/drawing/2014/main" id="{ACC3D3C8-F4F8-4395-B5E3-7FA5A911A35F}"/>
+              </a:ext>
+            </a:extLst>
+          </p:cNvPr>
+          <p:cNvPicPr>
+            <a:picLocks noGrp="1" noChangeAspect="1"/>
+          </p:cNvPicPr>
+          <p:nvPr>
+            <p:ph idx="1"/>
+          </p:nvPr>
+        </p:nvPicPr>
+        <p:blipFill>
+          <a:blip r:embed="rId3">
+            <a:extLst>
+              <a:ext uri="{28A0092B-C50C-407E-A947-70E740481C1C}">
+                <a14:useLocalDpi xmlns:a14="http://schemas.microsoft.com/office/drawing/2010/main" val="0"/>
+              </a:ext>
+            </a:extLst>
+          </a:blip>
+          <a:stretch>
+            <a:fillRect/>
+          </a:stretch>
+        </p:blipFill>
+        <p:spPr>
+          <a:xfrm>
+            <a:off x="4155818" y="2058398"/>
+            <a:ext cx="3880363" cy="3880363"/>
+          </a:xfrm>
+          <a:ln w="3175">
+            <a:solidFill>
+              <a:schemeClr val="tx1">
+                <a:lumMod val="75000"/>
+                <a:lumOff val="25000"/>
+              </a:schemeClr>
+            </a:solidFill>
+          </a:ln>
+        </p:spPr>
+      </p:pic>
+    </p:spTree>
+    <p:extLst>
+      <p:ext uri="{BB962C8B-B14F-4D97-AF65-F5344CB8AC3E}">
+        <p14:creationId xmlns:p14="http://schemas.microsoft.com/office/powerpoint/2010/main" val="1353217735"/>
+      </p:ext>
+    </p:extLst>
+  </p:cSld>
+  <p:clrMapOvr>
+    <a:masterClrMapping/>
+  </p:clrMapOvr>
+  <p:timing>
+    <p:tnLst>
+      <p:par>
+        <p:cTn id="1" dur="indefinite" restart="never" nodeType="tmRoot"/>
+      </p:par>
+    </p:tnLst>
+  </p:timing>
+</p:sld>
+</file>
+
+<file path=ppt/slides/slide6.xml><?xml version="1.0" encoding="utf-8"?>
+<p:sld xmlns:a="http://schemas.openxmlformats.org/drawingml/2006/main" xmlns:r="http://schemas.openxmlformats.org/officeDocument/2006/relationships" xmlns:p="http://schemas.openxmlformats.org/presentationml/2006/main">
+  <p:cSld>
+    <p:spTree>
+      <p:nvGrpSpPr>
+        <p:cNvPr id="1" name=""/>
+        <p:cNvGrpSpPr/>
+        <p:nvPr/>
+      </p:nvGrpSpPr>
+      <p:grpSpPr>
+        <a:xfrm>
+          <a:off x="0" y="0"/>
+          <a:ext cx="0" cy="0"/>
+          <a:chOff x="0" y="0"/>
+          <a:chExt cx="0" cy="0"/>
+        </a:xfrm>
+      </p:grpSpPr>
+      <p:sp>
+        <p:nvSpPr>
+          <p:cNvPr id="2" name="Title 1"/>
+          <p:cNvSpPr>
+            <a:spLocks noGrp="1"/>
+          </p:cNvSpPr>
+          <p:nvPr>
+            <p:ph type="title"/>
+          </p:nvPr>
+        </p:nvSpPr>
+        <p:spPr/>
+        <p:txBody>
+          <a:bodyPr/>
+          <a:lstStyle/>
+          <a:p>
+            <a:pPr algn="ctr"/>
+            <a:r>
+              <a:rPr lang="en-US" dirty="0" smtClean="0"/>
+              <a:t>What is a DataStory?</a:t>
+            </a:r>
+            <a:endParaRPr lang="en-US" dirty="0"/>
+          </a:p>
+        </p:txBody>
+      </p:sp>
+      <p:sp>
+        <p:nvSpPr>
+          <p:cNvPr id="3" name="Content Placeholder 2"/>
+          <p:cNvSpPr>
+            <a:spLocks noGrp="1"/>
+          </p:cNvSpPr>
+          <p:nvPr>
+            <p:ph idx="1"/>
+          </p:nvPr>
+        </p:nvSpPr>
+        <p:spPr>
+          <a:xfrm>
+            <a:off x="838200" y="1825625"/>
+            <a:ext cx="10515600" cy="2713124"/>
+          </a:xfrm>
+        </p:spPr>
+        <p:txBody>
+          <a:bodyPr/>
+          <a:lstStyle/>
+          <a:p>
+            <a:pPr marL="0" indent="0" algn="ctr">
+              <a:buNone/>
+            </a:pPr>
+            <a:endParaRPr lang="en-US" dirty="0"/>
+          </a:p>
+          <a:p>
+            <a:pPr marL="0" indent="0" algn="ctr">
+              <a:buNone/>
+            </a:pPr>
+            <a:r>
+              <a:rPr lang="en-US" dirty="0" smtClean="0"/>
+              <a:t>What </a:t>
+            </a:r>
+            <a:r>
+              <a:rPr lang="en-US" dirty="0"/>
+              <a:t>do you get when you cross a group of comic book characters with a dataset, basic statistics, and open-science tools?  You get a </a:t>
+            </a:r>
+            <a:r>
+              <a:rPr lang="en-US" b="1" dirty="0"/>
+              <a:t>data story</a:t>
+            </a:r>
+            <a:r>
+              <a:rPr lang="en-US" dirty="0"/>
+              <a:t>.  A data story – as its name suggests – is narrative about a data set with the primary objective of educating even as it </a:t>
+            </a:r>
+            <a:r>
+              <a:rPr lang="en-US" dirty="0" smtClean="0"/>
+              <a:t>engages the student by way of a story arc or narrative. </a:t>
+            </a:r>
+            <a:endParaRPr lang="en-US" dirty="0"/>
+          </a:p>
+        </p:txBody>
+      </p:sp>
+    </p:spTree>
+    <p:extLst>
+      <p:ext uri="{BB962C8B-B14F-4D97-AF65-F5344CB8AC3E}">
+        <p14:creationId xmlns:p14="http://schemas.microsoft.com/office/powerpoint/2010/main" val="3502050441"/>
+      </p:ext>
+    </p:extLst>
+  </p:cSld>
+  <p:clrMapOvr>
+    <a:masterClrMapping/>
+  </p:clrMapOvr>
+</p:sld>
+</file>
+
+<file path=ppt/slides/slide7.xml><?xml version="1.0" encoding="utf-8"?>
+<p:sld xmlns:a="http://schemas.openxmlformats.org/drawingml/2006/main" xmlns:r="http://schemas.openxmlformats.org/officeDocument/2006/relationships" xmlns:p="http://schemas.openxmlformats.org/presentationml/2006/main">
+  <p:cSld>
+    <p:spTree>
+      <p:nvGrpSpPr>
+        <p:cNvPr id="1" name=""/>
+        <p:cNvGrpSpPr/>
+        <p:nvPr/>
+      </p:nvGrpSpPr>
+      <p:grpSpPr>
+        <a:xfrm>
+          <a:off x="0" y="0"/>
+          <a:ext cx="0" cy="0"/>
+          <a:chOff x="0" y="0"/>
+          <a:chExt cx="0" cy="0"/>
+        </a:xfrm>
+      </p:grpSpPr>
+      <p:sp>
+        <p:nvSpPr>
+          <p:cNvPr id="2" name="Title 1"/>
+          <p:cNvSpPr>
+            <a:spLocks noGrp="1"/>
+          </p:cNvSpPr>
+          <p:nvPr>
+            <p:ph type="title"/>
+          </p:nvPr>
+        </p:nvSpPr>
+        <p:spPr/>
+        <p:txBody>
+          <a:bodyPr/>
+          <a:lstStyle/>
+          <a:p>
+            <a:endParaRPr lang="en-US"/>
+          </a:p>
+        </p:txBody>
+      </p:sp>
+      <p:pic>
+        <p:nvPicPr>
+          <p:cNvPr id="6" name="Content Placeholder 5"/>
+          <p:cNvPicPr>
+            <a:picLocks noGrp="1" noChangeAspect="1"/>
+          </p:cNvPicPr>
+          <p:nvPr>
+            <p:ph idx="1"/>
+          </p:nvPr>
+        </p:nvPicPr>
+        <p:blipFill>
+          <a:blip r:embed="rId2">
+            <a:extLst>
+              <a:ext uri="{28A0092B-C50C-407E-A947-70E740481C1C}">
+                <a14:useLocalDpi xmlns:a14="http://schemas.microsoft.com/office/drawing/2010/main" val="0"/>
+              </a:ext>
+            </a:extLst>
+          </a:blip>
+          <a:stretch>
+            <a:fillRect/>
+          </a:stretch>
+        </p:blipFill>
+        <p:spPr>
+          <a:xfrm>
+            <a:off x="4486275" y="2482056"/>
+            <a:ext cx="3219450" cy="3260375"/>
           </a:xfrm>
         </p:spPr>
       </p:pic>
     </p:spTree>
     <p:extLst>
       <p:ext uri="{BB962C8B-B14F-4D97-AF65-F5344CB8AC3E}">
-        <p14:creationId xmlns:p14="http://schemas.microsoft.com/office/powerpoint/2010/main" val="300960600"/>
+        <p14:creationId xmlns:p14="http://schemas.microsoft.com/office/powerpoint/2010/main" val="279365900"/>
       </p:ext>
     </p:extLst>
   </p:cSld>

--- a/_ctsi/ctsi_presentation.pptx
+++ b/_ctsi/ctsi_presentation.pptx
@@ -11,7 +11,8 @@
     <p:sldId id="258" r:id="rId5"/>
     <p:sldId id="257" r:id="rId6"/>
     <p:sldId id="262" r:id="rId7"/>
-    <p:sldId id="260" r:id="rId8"/>
+    <p:sldId id="263" r:id="rId8"/>
+    <p:sldId id="260" r:id="rId9"/>
   </p:sldIdLst>
   <p:sldSz cx="12192000" cy="6858000"/>
   <p:notesSz cx="6858000" cy="9144000"/>
@@ -3489,7 +3490,31 @@
               <a:rPr lang="en-US" dirty="0" smtClean="0">
                 <a:latin typeface="+mj-lt"/>
               </a:rPr>
-              <a:t> Why </a:t>
+              <a:t> </a:t>
+            </a:r>
+            <a:r>
+              <a:rPr lang="en-US" dirty="0" smtClean="0">
+                <a:latin typeface="+mj-lt"/>
+              </a:rPr>
+              <a:t>A note of appreciation to our sponsors…</a:t>
+            </a:r>
+          </a:p>
+          <a:p>
+            <a:pPr>
+              <a:buFont typeface="Wingdings" panose="05000000000000000000" pitchFamily="2" charset="2"/>
+              <a:buChar char="v"/>
+            </a:pPr>
+            <a:r>
+              <a:rPr lang="en-US" dirty="0">
+                <a:latin typeface="+mj-lt"/>
+              </a:rPr>
+              <a:t> </a:t>
+            </a:r>
+            <a:r>
+              <a:rPr lang="en-US" dirty="0" smtClean="0">
+                <a:latin typeface="+mj-lt"/>
+              </a:rPr>
+              <a:t>Why </a:t>
             </a:r>
             <a:r>
               <a:rPr lang="en-US" dirty="0">
@@ -3549,13 +3574,7 @@
               <a:rPr lang="en-US" dirty="0" smtClean="0">
                 <a:latin typeface="+mj-lt"/>
               </a:rPr>
-              <a:t>will we determine if this new approach works</a:t>
-            </a:r>
-            <a:r>
-              <a:rPr lang="en-US" dirty="0" smtClean="0">
-                <a:latin typeface="+mj-lt"/>
-              </a:rPr>
-              <a:t>?</a:t>
+              <a:t>will we determine if this new approach works?</a:t>
             </a:r>
             <a:endParaRPr lang="en-US" dirty="0">
               <a:latin typeface="+mj-lt"/>
@@ -3627,7 +3646,23 @@
             <a:pPr algn="ctr"/>
             <a:r>
               <a:rPr lang="en-US" dirty="0" smtClean="0"/>
-              <a:t>The Data Deluge</a:t>
+              <a:t>Our students </a:t>
+            </a:r>
+            <a:r>
+              <a:rPr lang="en-US" dirty="0"/>
+              <a:t>f</a:t>
+            </a:r>
+            <a:r>
+              <a:rPr lang="en-US" dirty="0" smtClean="0"/>
+              <a:t>ace a data </a:t>
+            </a:r>
+            <a:r>
+              <a:rPr lang="en-US" dirty="0"/>
+              <a:t>d</a:t>
+            </a:r>
+            <a:r>
+              <a:rPr lang="en-US" dirty="0" smtClean="0"/>
+              <a:t>eluge…</a:t>
             </a:r>
             <a:endParaRPr lang="en-US" dirty="0"/>
           </a:p>
@@ -3635,7 +3670,7 @@
       </p:sp>
       <p:pic>
         <p:nvPicPr>
-          <p:cNvPr id="10" name="Content Placeholder 9"/>
+          <p:cNvPr id="6" name="Content Placeholder 5"/>
           <p:cNvPicPr>
             <a:picLocks noGrp="1" noChangeAspect="1"/>
           </p:cNvPicPr>
@@ -3657,18 +3692,9 @@
         </p:blipFill>
         <p:spPr>
           <a:xfrm>
-            <a:off x="3143250" y="2039144"/>
-            <a:ext cx="5905500" cy="3924300"/>
+            <a:off x="3079750" y="2026444"/>
+            <a:ext cx="6032500" cy="3949700"/>
           </a:xfrm>
-          <a:ln w="3175">
-            <a:solidFill>
-              <a:schemeClr val="tx1">
-                <a:lumMod val="75000"/>
-                <a:lumOff val="25000"/>
-                <a:alpha val="50000"/>
-              </a:schemeClr>
-            </a:solidFill>
-          </a:ln>
         </p:spPr>
       </p:pic>
     </p:spTree>
@@ -3725,7 +3751,7 @@
             <a:pPr algn="ctr"/>
             <a:r>
               <a:rPr lang="en-US" dirty="0" smtClean="0"/>
-              <a:t>Foundation Issues</a:t>
+              <a:t>…but what does their foundation look like? </a:t>
             </a:r>
             <a:endParaRPr lang="en-US" dirty="0"/>
           </a:p>
@@ -3829,7 +3855,7 @@
             <a:pPr algn="ctr"/>
             <a:r>
               <a:rPr lang="en-US" dirty="0" smtClean="0"/>
-              <a:t>Pedagogical Issues</a:t>
+              <a:t>And, how are we teaching them?</a:t>
             </a:r>
             <a:endParaRPr lang="en-US" dirty="0"/>
           </a:p>
@@ -3934,7 +3960,11 @@
             <a:pPr algn="ctr"/>
             <a:r>
               <a:rPr lang="en-US" dirty="0" smtClean="0"/>
-              <a:t>What is a DataStory?</a:t>
+              <a:t>So what </a:t>
+            </a:r>
+            <a:r>
+              <a:rPr lang="en-US" dirty="0" smtClean="0"/>
+              <a:t>is a DataStory?</a:t>
             </a:r>
             <a:endParaRPr lang="en-US" dirty="0"/>
           </a:p>
@@ -3952,12 +3982,14 @@
         </p:nvSpPr>
         <p:spPr>
           <a:xfrm>
-            <a:off x="838200" y="1825625"/>
-            <a:ext cx="10515600" cy="2713124"/>
+            <a:off x="838200" y="1825624"/>
+            <a:ext cx="10515600" cy="3267075"/>
           </a:xfrm>
         </p:spPr>
         <p:txBody>
-          <a:bodyPr/>
+          <a:bodyPr>
+            <a:normAutofit/>
+          </a:bodyPr>
           <a:lstStyle/>
           <a:p>
             <a:pPr marL="0" indent="0" algn="ctr">
@@ -3970,26 +4002,72 @@
               <a:buNone/>
             </a:pPr>
             <a:r>
-              <a:rPr lang="en-US" dirty="0" smtClean="0"/>
+              <a:rPr lang="en-US" dirty="0" smtClean="0">
+                <a:latin typeface="+mj-lt"/>
+              </a:rPr>
               <a:t>What </a:t>
             </a:r>
             <a:r>
-              <a:rPr lang="en-US" dirty="0"/>
+              <a:rPr lang="en-US" dirty="0">
+                <a:latin typeface="+mj-lt"/>
+              </a:rPr>
               <a:t>do you get when you cross a group of comic book characters with a dataset, basic statistics, and open-science tools?  You get a </a:t>
             </a:r>
             <a:r>
-              <a:rPr lang="en-US" b="1" dirty="0"/>
+              <a:rPr lang="en-US" b="1" dirty="0">
+                <a:latin typeface="+mj-lt"/>
+              </a:rPr>
               <a:t>data story</a:t>
             </a:r>
             <a:r>
-              <a:rPr lang="en-US" dirty="0"/>
-              <a:t>.  A data story – as its name suggests – is narrative about a data set with the primary objective of educating even as it </a:t>
-            </a:r>
-            <a:r>
-              <a:rPr lang="en-US" dirty="0" smtClean="0"/>
-              <a:t>engages the student by way of a story arc or narrative. </a:t>
-            </a:r>
-            <a:endParaRPr lang="en-US" dirty="0"/>
+              <a:rPr lang="en-US" dirty="0">
+                <a:latin typeface="+mj-lt"/>
+              </a:rPr>
+              <a:t>.  </a:t>
+            </a:r>
+            <a:endParaRPr lang="en-US" dirty="0">
+              <a:latin typeface="+mj-lt"/>
+            </a:endParaRPr>
+          </a:p>
+          <a:p>
+            <a:pPr marL="0" indent="0" algn="ctr">
+              <a:buNone/>
+            </a:pPr>
+            <a:endParaRPr lang="en-US" dirty="0" smtClean="0">
+              <a:latin typeface="+mj-lt"/>
+            </a:endParaRPr>
+          </a:p>
+          <a:p>
+            <a:pPr marL="0" indent="0" algn="ctr">
+              <a:buNone/>
+            </a:pPr>
+            <a:r>
+              <a:rPr lang="en-US" dirty="0" smtClean="0">
+                <a:latin typeface="+mj-lt"/>
+              </a:rPr>
+              <a:t>A </a:t>
+            </a:r>
+            <a:r>
+              <a:rPr lang="en-US" dirty="0">
+                <a:latin typeface="+mj-lt"/>
+              </a:rPr>
+              <a:t>data story – as its name suggests – is narrative about a data set with the primary objective of educating even as it </a:t>
+            </a:r>
+            <a:r>
+              <a:rPr lang="en-US" dirty="0" smtClean="0">
+                <a:latin typeface="+mj-lt"/>
+              </a:rPr>
+              <a:t>engages the </a:t>
+            </a:r>
+            <a:r>
+              <a:rPr lang="en-US" dirty="0" smtClean="0">
+                <a:latin typeface="+mj-lt"/>
+              </a:rPr>
+              <a:t>student in a journey through its narrative arc. </a:t>
+            </a:r>
+            <a:endParaRPr lang="en-US" dirty="0">
+              <a:latin typeface="+mj-lt"/>
+            </a:endParaRPr>
           </a:p>
         </p:txBody>
       </p:sp>
@@ -4038,7 +4116,125 @@
           <a:bodyPr/>
           <a:lstStyle/>
           <a:p>
-            <a:endParaRPr lang="en-US"/>
+            <a:pPr algn="ctr"/>
+            <a:r>
+              <a:rPr lang="en-US" dirty="0" smtClean="0"/>
+              <a:t>Current Production Schedule</a:t>
+            </a:r>
+            <a:endParaRPr lang="en-US" dirty="0"/>
+          </a:p>
+        </p:txBody>
+      </p:sp>
+      <p:pic>
+        <p:nvPicPr>
+          <p:cNvPr id="4" name="Content Placeholder 3"/>
+          <p:cNvPicPr>
+            <a:picLocks noGrp="1" noChangeAspect="1"/>
+          </p:cNvPicPr>
+          <p:nvPr>
+            <p:ph idx="1"/>
+          </p:nvPr>
+        </p:nvPicPr>
+        <p:blipFill>
+          <a:blip r:embed="rId2">
+            <a:extLst>
+              <a:ext uri="{28A0092B-C50C-407E-A947-70E740481C1C}">
+                <a14:useLocalDpi xmlns:a14="http://schemas.microsoft.com/office/drawing/2010/main" val="0"/>
+              </a:ext>
+            </a:extLst>
+          </a:blip>
+          <a:stretch>
+            <a:fillRect/>
+          </a:stretch>
+        </p:blipFill>
+        <p:spPr>
+          <a:xfrm>
+            <a:off x="1369681" y="2465965"/>
+            <a:ext cx="4753638" cy="3096057"/>
+          </a:xfrm>
+        </p:spPr>
+      </p:pic>
+      <p:pic>
+        <p:nvPicPr>
+          <p:cNvPr id="5" name="Picture 4"/>
+          <p:cNvPicPr>
+            <a:picLocks noChangeAspect="1"/>
+          </p:cNvPicPr>
+          <p:nvPr/>
+        </p:nvPicPr>
+        <p:blipFill>
+          <a:blip r:embed="rId3">
+            <a:extLst>
+              <a:ext uri="{28A0092B-C50C-407E-A947-70E740481C1C}">
+                <a14:useLocalDpi xmlns:a14="http://schemas.microsoft.com/office/drawing/2010/main" val="0"/>
+              </a:ext>
+            </a:extLst>
+          </a:blip>
+          <a:stretch>
+            <a:fillRect/>
+          </a:stretch>
+        </p:blipFill>
+        <p:spPr>
+          <a:xfrm>
+            <a:off x="6478587" y="2465965"/>
+            <a:ext cx="4443413" cy="3096057"/>
+          </a:xfrm>
+          <a:prstGeom prst="rect">
+            <a:avLst/>
+          </a:prstGeom>
+        </p:spPr>
+      </p:pic>
+    </p:spTree>
+    <p:extLst>
+      <p:ext uri="{BB962C8B-B14F-4D97-AF65-F5344CB8AC3E}">
+        <p14:creationId xmlns:p14="http://schemas.microsoft.com/office/powerpoint/2010/main" val="3284377727"/>
+      </p:ext>
+    </p:extLst>
+  </p:cSld>
+  <p:clrMapOvr>
+    <a:masterClrMapping/>
+  </p:clrMapOvr>
+</p:sld>
+</file>
+
+<file path=ppt/slides/slide8.xml><?xml version="1.0" encoding="utf-8"?>
+<p:sld xmlns:a="http://schemas.openxmlformats.org/drawingml/2006/main" xmlns:r="http://schemas.openxmlformats.org/officeDocument/2006/relationships" xmlns:p="http://schemas.openxmlformats.org/presentationml/2006/main">
+  <p:cSld>
+    <p:spTree>
+      <p:nvGrpSpPr>
+        <p:cNvPr id="1" name=""/>
+        <p:cNvGrpSpPr/>
+        <p:nvPr/>
+      </p:nvGrpSpPr>
+      <p:grpSpPr>
+        <a:xfrm>
+          <a:off x="0" y="0"/>
+          <a:ext cx="0" cy="0"/>
+          <a:chOff x="0" y="0"/>
+          <a:chExt cx="0" cy="0"/>
+        </a:xfrm>
+      </p:grpSpPr>
+      <p:sp>
+        <p:nvSpPr>
+          <p:cNvPr id="2" name="Title 1"/>
+          <p:cNvSpPr>
+            <a:spLocks noGrp="1"/>
+          </p:cNvSpPr>
+          <p:nvPr>
+            <p:ph type="title"/>
+          </p:nvPr>
+        </p:nvSpPr>
+        <p:spPr/>
+        <p:txBody>
+          <a:bodyPr/>
+          <a:lstStyle/>
+          <a:p>
+            <a:pPr algn="ctr"/>
+            <a:r>
+              <a:rPr lang="en-US" dirty="0" smtClean="0"/>
+              <a:t>The Explanatory Core</a:t>
+            </a:r>
+            <a:endParaRPr lang="en-US" dirty="0"/>
           </a:p>
         </p:txBody>
       </p:sp>

--- a/_ctsi/ctsi_presentation.pptx
+++ b/_ctsi/ctsi_presentation.pptx
@@ -6,13 +6,17 @@
   </p:sldMasterIdLst>
   <p:sldIdLst>
     <p:sldId id="256" r:id="rId2"/>
-    <p:sldId id="259" r:id="rId3"/>
-    <p:sldId id="261" r:id="rId4"/>
-    <p:sldId id="258" r:id="rId5"/>
-    <p:sldId id="257" r:id="rId6"/>
-    <p:sldId id="262" r:id="rId7"/>
-    <p:sldId id="263" r:id="rId8"/>
-    <p:sldId id="260" r:id="rId9"/>
+    <p:sldId id="264" r:id="rId3"/>
+    <p:sldId id="259" r:id="rId4"/>
+    <p:sldId id="261" r:id="rId5"/>
+    <p:sldId id="258" r:id="rId6"/>
+    <p:sldId id="257" r:id="rId7"/>
+    <p:sldId id="262" r:id="rId8"/>
+    <p:sldId id="267" r:id="rId9"/>
+    <p:sldId id="263" r:id="rId10"/>
+    <p:sldId id="260" r:id="rId11"/>
+    <p:sldId id="265" r:id="rId12"/>
+    <p:sldId id="266" r:id="rId13"/>
   </p:sldIdLst>
   <p:sldSz cx="12192000" cy="6858000"/>
   <p:notesSz cx="6858000" cy="9144000"/>
@@ -266,7 +270,7 @@
           <a:p>
             <a:fld id="{2A6AE054-915C-443A-A6A0-D72466CEFB75}" type="datetimeFigureOut">
               <a:rPr lang="en-US" smtClean="0"/>
-              <a:t>9/18/2019</a:t>
+              <a:t>9/19/2019</a:t>
             </a:fld>
             <a:endParaRPr lang="en-US"/>
           </a:p>
@@ -464,7 +468,7 @@
           <a:p>
             <a:fld id="{2A6AE054-915C-443A-A6A0-D72466CEFB75}" type="datetimeFigureOut">
               <a:rPr lang="en-US" smtClean="0"/>
-              <a:t>9/18/2019</a:t>
+              <a:t>9/19/2019</a:t>
             </a:fld>
             <a:endParaRPr lang="en-US"/>
           </a:p>
@@ -672,7 +676,7 @@
           <a:p>
             <a:fld id="{2A6AE054-915C-443A-A6A0-D72466CEFB75}" type="datetimeFigureOut">
               <a:rPr lang="en-US" smtClean="0"/>
-              <a:t>9/18/2019</a:t>
+              <a:t>9/19/2019</a:t>
             </a:fld>
             <a:endParaRPr lang="en-US"/>
           </a:p>
@@ -870,7 +874,7 @@
           <a:p>
             <a:fld id="{2A6AE054-915C-443A-A6A0-D72466CEFB75}" type="datetimeFigureOut">
               <a:rPr lang="en-US" smtClean="0"/>
-              <a:t>9/18/2019</a:t>
+              <a:t>9/19/2019</a:t>
             </a:fld>
             <a:endParaRPr lang="en-US"/>
           </a:p>
@@ -1145,7 +1149,7 @@
           <a:p>
             <a:fld id="{2A6AE054-915C-443A-A6A0-D72466CEFB75}" type="datetimeFigureOut">
               <a:rPr lang="en-US" smtClean="0"/>
-              <a:t>9/18/2019</a:t>
+              <a:t>9/19/2019</a:t>
             </a:fld>
             <a:endParaRPr lang="en-US"/>
           </a:p>
@@ -1410,7 +1414,7 @@
           <a:p>
             <a:fld id="{2A6AE054-915C-443A-A6A0-D72466CEFB75}" type="datetimeFigureOut">
               <a:rPr lang="en-US" smtClean="0"/>
-              <a:t>9/18/2019</a:t>
+              <a:t>9/19/2019</a:t>
             </a:fld>
             <a:endParaRPr lang="en-US"/>
           </a:p>
@@ -1822,7 +1826,7 @@
           <a:p>
             <a:fld id="{2A6AE054-915C-443A-A6A0-D72466CEFB75}" type="datetimeFigureOut">
               <a:rPr lang="en-US" smtClean="0"/>
-              <a:t>9/18/2019</a:t>
+              <a:t>9/19/2019</a:t>
             </a:fld>
             <a:endParaRPr lang="en-US"/>
           </a:p>
@@ -1963,7 +1967,7 @@
           <a:p>
             <a:fld id="{2A6AE054-915C-443A-A6A0-D72466CEFB75}" type="datetimeFigureOut">
               <a:rPr lang="en-US" smtClean="0"/>
-              <a:t>9/18/2019</a:t>
+              <a:t>9/19/2019</a:t>
             </a:fld>
             <a:endParaRPr lang="en-US"/>
           </a:p>
@@ -2076,7 +2080,7 @@
           <a:p>
             <a:fld id="{2A6AE054-915C-443A-A6A0-D72466CEFB75}" type="datetimeFigureOut">
               <a:rPr lang="en-US" smtClean="0"/>
-              <a:t>9/18/2019</a:t>
+              <a:t>9/19/2019</a:t>
             </a:fld>
             <a:endParaRPr lang="en-US"/>
           </a:p>
@@ -2387,7 +2391,7 @@
           <a:p>
             <a:fld id="{2A6AE054-915C-443A-A6A0-D72466CEFB75}" type="datetimeFigureOut">
               <a:rPr lang="en-US" smtClean="0"/>
-              <a:t>9/18/2019</a:t>
+              <a:t>9/19/2019</a:t>
             </a:fld>
             <a:endParaRPr lang="en-US"/>
           </a:p>
@@ -2675,7 +2679,7 @@
           <a:p>
             <a:fld id="{2A6AE054-915C-443A-A6A0-D72466CEFB75}" type="datetimeFigureOut">
               <a:rPr lang="en-US" smtClean="0"/>
-              <a:t>9/18/2019</a:t>
+              <a:t>9/19/2019</a:t>
             </a:fld>
             <a:endParaRPr lang="en-US"/>
           </a:p>
@@ -2916,7 +2920,7 @@
           <a:p>
             <a:fld id="{2A6AE054-915C-443A-A6A0-D72466CEFB75}" type="datetimeFigureOut">
               <a:rPr lang="en-US" smtClean="0"/>
-              <a:t>9/18/2019</a:t>
+              <a:t>9/19/2019</a:t>
             </a:fld>
             <a:endParaRPr lang="en-US"/>
           </a:p>
@@ -3355,8 +3359,12 @@
           <a:lstStyle/>
           <a:p>
             <a:r>
+              <a:rPr lang="en-US" dirty="0" smtClean="0"/>
+              <a:t>The DataStory </a:t>
+            </a:r>
+            <a:r>
               <a:rPr lang="en-US" dirty="0"/>
-              <a:t>The UF DataStory Initiative</a:t>
+              <a:t>Initiative</a:t>
             </a:r>
           </a:p>
         </p:txBody>
@@ -3382,6 +3390,10 @@
           <a:bodyPr/>
           <a:lstStyle/>
           <a:p>
+            <a:r>
+              <a:rPr lang="en-US" dirty="0" smtClean="0"/>
+              <a:t>Rethinking Data Education in the Precision Health Sciences</a:t>
+            </a:r>
             <a:endParaRPr lang="en-US" dirty="0"/>
           </a:p>
         </p:txBody>
@@ -3396,6 +3408,323 @@
   <p:clrMapOvr>
     <a:masterClrMapping/>
   </p:clrMapOvr>
+</p:sld>
+</file>
+
+<file path=ppt/slides/slide10.xml><?xml version="1.0" encoding="utf-8"?>
+<p:sld xmlns:a="http://schemas.openxmlformats.org/drawingml/2006/main" xmlns:r="http://schemas.openxmlformats.org/officeDocument/2006/relationships" xmlns:p="http://schemas.openxmlformats.org/presentationml/2006/main">
+  <p:cSld>
+    <p:spTree>
+      <p:nvGrpSpPr>
+        <p:cNvPr id="1" name=""/>
+        <p:cNvGrpSpPr/>
+        <p:nvPr/>
+      </p:nvGrpSpPr>
+      <p:grpSpPr>
+        <a:xfrm>
+          <a:off x="0" y="0"/>
+          <a:ext cx="0" cy="0"/>
+          <a:chOff x="0" y="0"/>
+          <a:chExt cx="0" cy="0"/>
+        </a:xfrm>
+      </p:grpSpPr>
+      <p:sp>
+        <p:nvSpPr>
+          <p:cNvPr id="2" name="Title 1"/>
+          <p:cNvSpPr>
+            <a:spLocks noGrp="1"/>
+          </p:cNvSpPr>
+          <p:nvPr>
+            <p:ph type="title"/>
+          </p:nvPr>
+        </p:nvSpPr>
+        <p:spPr/>
+        <p:txBody>
+          <a:bodyPr/>
+          <a:lstStyle/>
+          <a:p>
+            <a:pPr algn="ctr"/>
+            <a:r>
+              <a:rPr lang="en-US" dirty="0" smtClean="0"/>
+              <a:t>The Explanatory Core</a:t>
+            </a:r>
+            <a:endParaRPr lang="en-US" dirty="0"/>
+          </a:p>
+        </p:txBody>
+      </p:sp>
+      <p:pic>
+        <p:nvPicPr>
+          <p:cNvPr id="6" name="Content Placeholder 5"/>
+          <p:cNvPicPr>
+            <a:picLocks noGrp="1" noChangeAspect="1"/>
+          </p:cNvPicPr>
+          <p:nvPr>
+            <p:ph idx="1"/>
+          </p:nvPr>
+        </p:nvPicPr>
+        <p:blipFill>
+          <a:blip r:embed="rId2">
+            <a:extLst>
+              <a:ext uri="{28A0092B-C50C-407E-A947-70E740481C1C}">
+                <a14:useLocalDpi xmlns:a14="http://schemas.microsoft.com/office/drawing/2010/main" val="0"/>
+              </a:ext>
+            </a:extLst>
+          </a:blip>
+          <a:stretch>
+            <a:fillRect/>
+          </a:stretch>
+        </p:blipFill>
+        <p:spPr>
+          <a:xfrm>
+            <a:off x="4486275" y="2482056"/>
+            <a:ext cx="3219450" cy="3260375"/>
+          </a:xfrm>
+        </p:spPr>
+      </p:pic>
+    </p:spTree>
+    <p:extLst>
+      <p:ext uri="{BB962C8B-B14F-4D97-AF65-F5344CB8AC3E}">
+        <p14:creationId xmlns:p14="http://schemas.microsoft.com/office/powerpoint/2010/main" val="279365900"/>
+      </p:ext>
+    </p:extLst>
+  </p:cSld>
+  <p:clrMapOvr>
+    <a:masterClrMapping/>
+  </p:clrMapOvr>
+</p:sld>
+</file>
+
+<file path=ppt/slides/slide11.xml><?xml version="1.0" encoding="utf-8"?>
+<p:sld xmlns:a="http://schemas.openxmlformats.org/drawingml/2006/main" xmlns:r="http://schemas.openxmlformats.org/officeDocument/2006/relationships" xmlns:p="http://schemas.openxmlformats.org/presentationml/2006/main">
+  <p:cSld>
+    <p:spTree>
+      <p:nvGrpSpPr>
+        <p:cNvPr id="1" name=""/>
+        <p:cNvGrpSpPr/>
+        <p:nvPr/>
+      </p:nvGrpSpPr>
+      <p:grpSpPr>
+        <a:xfrm>
+          <a:off x="0" y="0"/>
+          <a:ext cx="0" cy="0"/>
+          <a:chOff x="0" y="0"/>
+          <a:chExt cx="0" cy="0"/>
+        </a:xfrm>
+      </p:grpSpPr>
+      <p:sp>
+        <p:nvSpPr>
+          <p:cNvPr id="2" name="Title 1"/>
+          <p:cNvSpPr>
+            <a:spLocks noGrp="1"/>
+          </p:cNvSpPr>
+          <p:nvPr>
+            <p:ph type="title"/>
+          </p:nvPr>
+        </p:nvSpPr>
+        <p:spPr/>
+        <p:txBody>
+          <a:bodyPr/>
+          <a:lstStyle/>
+          <a:p>
+            <a:pPr algn="ctr"/>
+            <a:r>
+              <a:rPr lang="en-US" dirty="0" smtClean="0"/>
+              <a:t>Initial Research Objectives</a:t>
+            </a:r>
+            <a:endParaRPr lang="en-US" dirty="0"/>
+          </a:p>
+        </p:txBody>
+      </p:sp>
+      <p:sp>
+        <p:nvSpPr>
+          <p:cNvPr id="3" name="Content Placeholder 2"/>
+          <p:cNvSpPr>
+            <a:spLocks noGrp="1"/>
+          </p:cNvSpPr>
+          <p:nvPr>
+            <p:ph idx="1"/>
+          </p:nvPr>
+        </p:nvSpPr>
+        <p:spPr>
+          <a:xfrm>
+            <a:off x="838200" y="1825625"/>
+            <a:ext cx="10515600" cy="4351338"/>
+          </a:xfrm>
+        </p:spPr>
+        <p:txBody>
+          <a:bodyPr>
+            <a:normAutofit/>
+          </a:bodyPr>
+          <a:lstStyle/>
+          <a:p>
+            <a:pPr algn="ctr"/>
+            <a:endParaRPr lang="en-US" dirty="0" smtClean="0"/>
+          </a:p>
+          <a:p>
+            <a:pPr marL="0" indent="0" algn="ctr">
+              <a:buNone/>
+            </a:pPr>
+            <a:r>
+              <a:rPr lang="en-US" sz="3200" dirty="0" smtClean="0"/>
+              <a:t>Our initial research will assess the pedagogical effectiveness of Data Stories, specifically their ability to:</a:t>
+            </a:r>
+          </a:p>
+          <a:p>
+            <a:pPr marL="0" indent="0" algn="ctr">
+              <a:buNone/>
+            </a:pPr>
+            <a:endParaRPr lang="en-US" dirty="0"/>
+          </a:p>
+          <a:p>
+            <a:pPr marL="0" indent="0" algn="ctr">
+              <a:buNone/>
+            </a:pPr>
+            <a:r>
+              <a:rPr lang="en-US" dirty="0" smtClean="0">
+                <a:solidFill>
+                  <a:srgbClr val="384EA4"/>
+                </a:solidFill>
+              </a:rPr>
+              <a:t>Arouse Emotion</a:t>
+            </a:r>
+          </a:p>
+          <a:p>
+            <a:pPr marL="0" indent="0" algn="ctr">
+              <a:buNone/>
+            </a:pPr>
+            <a:r>
+              <a:rPr lang="en-US" dirty="0" smtClean="0">
+                <a:solidFill>
+                  <a:srgbClr val="384EA4"/>
+                </a:solidFill>
+              </a:rPr>
+              <a:t>Motivate</a:t>
+            </a:r>
+          </a:p>
+          <a:p>
+            <a:pPr marL="0" indent="0" algn="ctr">
+              <a:buNone/>
+            </a:pPr>
+            <a:r>
+              <a:rPr lang="en-US" dirty="0" smtClean="0">
+                <a:solidFill>
+                  <a:srgbClr val="384EA4"/>
+                </a:solidFill>
+              </a:rPr>
+              <a:t>Engage</a:t>
+            </a:r>
+          </a:p>
+          <a:p>
+            <a:pPr marL="0" indent="0" algn="ctr">
+              <a:buNone/>
+            </a:pPr>
+            <a:r>
+              <a:rPr lang="en-US" dirty="0"/>
+              <a:t>	</a:t>
+            </a:r>
+            <a:r>
+              <a:rPr lang="en-US" dirty="0" smtClean="0"/>
+              <a:t>			</a:t>
+            </a:r>
+          </a:p>
+        </p:txBody>
+      </p:sp>
+    </p:spTree>
+    <p:extLst>
+      <p:ext uri="{BB962C8B-B14F-4D97-AF65-F5344CB8AC3E}">
+        <p14:creationId xmlns:p14="http://schemas.microsoft.com/office/powerpoint/2010/main" val="60801836"/>
+      </p:ext>
+    </p:extLst>
+  </p:cSld>
+  <p:clrMapOvr>
+    <a:masterClrMapping/>
+  </p:clrMapOvr>
+</p:sld>
+</file>
+
+<file path=ppt/slides/slide12.xml><?xml version="1.0" encoding="utf-8"?>
+<p:sld xmlns:a="http://schemas.openxmlformats.org/drawingml/2006/main" xmlns:r="http://schemas.openxmlformats.org/officeDocument/2006/relationships" xmlns:p="http://schemas.openxmlformats.org/presentationml/2006/main">
+  <p:cSld>
+    <p:spTree>
+      <p:nvGrpSpPr>
+        <p:cNvPr id="1" name=""/>
+        <p:cNvGrpSpPr/>
+        <p:nvPr/>
+      </p:nvGrpSpPr>
+      <p:grpSpPr>
+        <a:xfrm>
+          <a:off x="0" y="0"/>
+          <a:ext cx="0" cy="0"/>
+          <a:chOff x="0" y="0"/>
+          <a:chExt cx="0" cy="0"/>
+        </a:xfrm>
+      </p:grpSpPr>
+      <p:sp>
+        <p:nvSpPr>
+          <p:cNvPr id="2" name="Title 1"/>
+          <p:cNvSpPr>
+            <a:spLocks noGrp="1"/>
+          </p:cNvSpPr>
+          <p:nvPr>
+            <p:ph type="title"/>
+          </p:nvPr>
+        </p:nvSpPr>
+        <p:spPr/>
+        <p:txBody>
+          <a:bodyPr/>
+          <a:lstStyle/>
+          <a:p>
+            <a:pPr algn="ctr"/>
+            <a:endParaRPr lang="en-US" dirty="0"/>
+          </a:p>
+        </p:txBody>
+      </p:sp>
+      <p:pic>
+        <p:nvPicPr>
+          <p:cNvPr id="6" name="Content Placeholder 5"/>
+          <p:cNvPicPr>
+            <a:picLocks noGrp="1" noChangeAspect="1"/>
+          </p:cNvPicPr>
+          <p:nvPr>
+            <p:ph idx="1"/>
+          </p:nvPr>
+        </p:nvPicPr>
+        <p:blipFill>
+          <a:blip r:embed="rId2">
+            <a:extLst>
+              <a:ext uri="{28A0092B-C50C-407E-A947-70E740481C1C}">
+                <a14:useLocalDpi xmlns:a14="http://schemas.microsoft.com/office/drawing/2010/main" val="0"/>
+              </a:ext>
+            </a:extLst>
+          </a:blip>
+          <a:stretch>
+            <a:fillRect/>
+          </a:stretch>
+        </p:blipFill>
+        <p:spPr>
+          <a:xfrm>
+            <a:off x="4072596" y="2578894"/>
+            <a:ext cx="4046808" cy="2717006"/>
+          </a:xfrm>
+        </p:spPr>
+      </p:pic>
+    </p:spTree>
+    <p:extLst>
+      <p:ext uri="{BB962C8B-B14F-4D97-AF65-F5344CB8AC3E}">
+        <p14:creationId xmlns:p14="http://schemas.microsoft.com/office/powerpoint/2010/main" val="124798354"/>
+      </p:ext>
+    </p:extLst>
+  </p:cSld>
+  <p:clrMapOvr>
+    <a:masterClrMapping/>
+  </p:clrMapOvr>
+  <p:timing>
+    <p:tnLst>
+      <p:par>
+        <p:cTn id="1" dur="indefinite" restart="never" nodeType="tmRoot"/>
+      </p:par>
+    </p:tnLst>
+  </p:timing>
 </p:sld>
 </file>
 
@@ -3418,6 +3747,149 @@
       </p:grpSpPr>
       <p:sp>
         <p:nvSpPr>
+          <p:cNvPr id="2" name="Title 1"/>
+          <p:cNvSpPr>
+            <a:spLocks noGrp="1"/>
+          </p:cNvSpPr>
+          <p:nvPr>
+            <p:ph type="title"/>
+          </p:nvPr>
+        </p:nvSpPr>
+        <p:spPr/>
+        <p:txBody>
+          <a:bodyPr/>
+          <a:lstStyle/>
+          <a:p>
+            <a:pPr algn="ctr"/>
+            <a:r>
+              <a:rPr lang="en-US" dirty="0" smtClean="0"/>
+              <a:t>Note of Appreciation to our Sponsors</a:t>
+            </a:r>
+            <a:endParaRPr lang="en-US" dirty="0"/>
+          </a:p>
+        </p:txBody>
+      </p:sp>
+      <p:pic>
+        <p:nvPicPr>
+          <p:cNvPr id="4" name="Content Placeholder 3"/>
+          <p:cNvPicPr>
+            <a:picLocks noGrp="1" noChangeAspect="1"/>
+          </p:cNvPicPr>
+          <p:nvPr>
+            <p:ph idx="1"/>
+          </p:nvPr>
+        </p:nvPicPr>
+        <p:blipFill>
+          <a:blip r:embed="rId2">
+            <a:extLst>
+              <a:ext uri="{28A0092B-C50C-407E-A947-70E740481C1C}">
+                <a14:useLocalDpi xmlns:a14="http://schemas.microsoft.com/office/drawing/2010/main" val="0"/>
+              </a:ext>
+            </a:extLst>
+          </a:blip>
+          <a:stretch>
+            <a:fillRect/>
+          </a:stretch>
+        </p:blipFill>
+        <p:spPr>
+          <a:xfrm>
+            <a:off x="3865562" y="2397919"/>
+            <a:ext cx="4029075" cy="590550"/>
+          </a:xfrm>
+        </p:spPr>
+      </p:pic>
+      <p:pic>
+        <p:nvPicPr>
+          <p:cNvPr id="5" name="Picture 4"/>
+          <p:cNvPicPr>
+            <a:picLocks noChangeAspect="1"/>
+          </p:cNvPicPr>
+          <p:nvPr/>
+        </p:nvPicPr>
+        <p:blipFill>
+          <a:blip r:embed="rId3">
+            <a:extLst>
+              <a:ext uri="{28A0092B-C50C-407E-A947-70E740481C1C}">
+                <a14:useLocalDpi xmlns:a14="http://schemas.microsoft.com/office/drawing/2010/main" val="0"/>
+              </a:ext>
+            </a:extLst>
+          </a:blip>
+          <a:stretch>
+            <a:fillRect/>
+          </a:stretch>
+        </p:blipFill>
+        <p:spPr>
+          <a:xfrm>
+            <a:off x="3865562" y="4814887"/>
+            <a:ext cx="2800350" cy="657225"/>
+          </a:xfrm>
+          <a:prstGeom prst="rect">
+            <a:avLst/>
+          </a:prstGeom>
+        </p:spPr>
+      </p:pic>
+      <p:pic>
+        <p:nvPicPr>
+          <p:cNvPr id="9" name="Picture 8"/>
+          <p:cNvPicPr>
+            <a:picLocks noChangeAspect="1"/>
+          </p:cNvPicPr>
+          <p:nvPr/>
+        </p:nvPicPr>
+        <p:blipFill>
+          <a:blip r:embed="rId4" cstate="hqprint">
+            <a:extLst>
+              <a:ext uri="{28A0092B-C50C-407E-A947-70E740481C1C}">
+                <a14:useLocalDpi xmlns:a14="http://schemas.microsoft.com/office/drawing/2010/main" val="0"/>
+              </a:ext>
+            </a:extLst>
+          </a:blip>
+          <a:stretch>
+            <a:fillRect/>
+          </a:stretch>
+        </p:blipFill>
+        <p:spPr>
+          <a:xfrm>
+            <a:off x="3938330" y="3524995"/>
+            <a:ext cx="3770570" cy="835499"/>
+          </a:xfrm>
+          <a:prstGeom prst="rect">
+            <a:avLst/>
+          </a:prstGeom>
+        </p:spPr>
+      </p:pic>
+    </p:spTree>
+    <p:extLst>
+      <p:ext uri="{BB962C8B-B14F-4D97-AF65-F5344CB8AC3E}">
+        <p14:creationId xmlns:p14="http://schemas.microsoft.com/office/powerpoint/2010/main" val="3565600600"/>
+      </p:ext>
+    </p:extLst>
+  </p:cSld>
+  <p:clrMapOvr>
+    <a:masterClrMapping/>
+  </p:clrMapOvr>
+</p:sld>
+</file>
+
+<file path=ppt/slides/slide3.xml><?xml version="1.0" encoding="utf-8"?>
+<p:sld xmlns:a="http://schemas.openxmlformats.org/drawingml/2006/main" xmlns:r="http://schemas.openxmlformats.org/officeDocument/2006/relationships" xmlns:p="http://schemas.openxmlformats.org/presentationml/2006/main">
+  <p:cSld>
+    <p:spTree>
+      <p:nvGrpSpPr>
+        <p:cNvPr id="1" name=""/>
+        <p:cNvGrpSpPr/>
+        <p:nvPr/>
+      </p:nvGrpSpPr>
+      <p:grpSpPr>
+        <a:xfrm>
+          <a:off x="0" y="0"/>
+          <a:ext cx="0" cy="0"/>
+          <a:chOff x="0" y="0"/>
+          <a:chExt cx="0" cy="0"/>
+        </a:xfrm>
+      </p:grpSpPr>
+      <p:sp>
+        <p:nvSpPr>
           <p:cNvPr id="2" name="Title 1">
             <a:extLst>
               <a:ext uri="{FF2B5EF4-FFF2-40B4-BE49-F238E27FC236}">
@@ -3490,13 +3962,13 @@
               <a:rPr lang="en-US" dirty="0" smtClean="0">
                 <a:latin typeface="+mj-lt"/>
               </a:rPr>
-              <a:t> </a:t>
-            </a:r>
-            <a:r>
-              <a:rPr lang="en-US" dirty="0" smtClean="0">
+              <a:t> Why </a:t>
+            </a:r>
+            <a:r>
+              <a:rPr lang="en-US" dirty="0">
                 <a:latin typeface="+mj-lt"/>
               </a:rPr>
-              <a:t>A note of appreciation to our sponsors…</a:t>
+              <a:t>do we need a new approach to data education?</a:t>
             </a:r>
           </a:p>
           <a:p>
@@ -3508,19 +3980,31 @@
               <a:rPr lang="en-US" dirty="0">
                 <a:latin typeface="+mj-lt"/>
               </a:rPr>
-              <a:t> </a:t>
+              <a:t> What is a DataStory and the DataStory </a:t>
             </a:r>
             <a:r>
               <a:rPr lang="en-US" dirty="0" smtClean="0">
                 <a:latin typeface="+mj-lt"/>
               </a:rPr>
-              <a:t>Why </a:t>
+              <a:t>method </a:t>
             </a:r>
             <a:r>
               <a:rPr lang="en-US" dirty="0">
                 <a:latin typeface="+mj-lt"/>
               </a:rPr>
-              <a:t>do we need a new approach to data education?</a:t>
+              <a:t>of </a:t>
+            </a:r>
+            <a:r>
+              <a:rPr lang="en-US" dirty="0" smtClean="0">
+                <a:latin typeface="+mj-lt"/>
+              </a:rPr>
+              <a:t>instruction</a:t>
+            </a:r>
+            <a:r>
+              <a:rPr lang="en-US" dirty="0">
+                <a:latin typeface="+mj-lt"/>
+              </a:rPr>
+              <a:t>?</a:t>
             </a:r>
           </a:p>
           <a:p>
@@ -3532,49 +4016,19 @@
               <a:rPr lang="en-US" dirty="0">
                 <a:latin typeface="+mj-lt"/>
               </a:rPr>
-              <a:t> What is a DataStory and the DataStory </a:t>
+              <a:t> </a:t>
             </a:r>
             <a:r>
               <a:rPr lang="en-US" dirty="0" smtClean="0">
                 <a:latin typeface="+mj-lt"/>
               </a:rPr>
-              <a:t>method </a:t>
-            </a:r>
-            <a:r>
-              <a:rPr lang="en-US" dirty="0">
-                <a:latin typeface="+mj-lt"/>
-              </a:rPr>
-              <a:t>of </a:t>
+              <a:t>Briefly discuss </a:t>
             </a:r>
             <a:r>
               <a:rPr lang="en-US" dirty="0" smtClean="0">
                 <a:latin typeface="+mj-lt"/>
               </a:rPr>
-              <a:t>instruction</a:t>
-            </a:r>
-            <a:r>
-              <a:rPr lang="en-US" dirty="0">
-                <a:latin typeface="+mj-lt"/>
-              </a:rPr>
-              <a:t>?</a:t>
-            </a:r>
-          </a:p>
-          <a:p>
-            <a:pPr>
-              <a:buFont typeface="Wingdings" panose="05000000000000000000" pitchFamily="2" charset="2"/>
-              <a:buChar char="v"/>
-            </a:pPr>
-            <a:r>
-              <a:rPr lang="en-US" dirty="0">
-                <a:latin typeface="+mj-lt"/>
-              </a:rPr>
-              <a:t> How </a:t>
-            </a:r>
-            <a:r>
-              <a:rPr lang="en-US" dirty="0" smtClean="0">
-                <a:latin typeface="+mj-lt"/>
-              </a:rPr>
-              <a:t>will we determine if this new approach works?</a:t>
+              <a:t>initial research objectives.</a:t>
             </a:r>
             <a:endParaRPr lang="en-US" dirty="0">
               <a:latin typeface="+mj-lt"/>
@@ -3611,7 +4065,7 @@
 </p:sld>
 </file>
 
-<file path=ppt/slides/slide3.xml><?xml version="1.0" encoding="utf-8"?>
+<file path=ppt/slides/slide4.xml><?xml version="1.0" encoding="utf-8"?>
 <p:sld xmlns:a="http://schemas.openxmlformats.org/drawingml/2006/main" xmlns:r="http://schemas.openxmlformats.org/officeDocument/2006/relationships" xmlns:p="http://schemas.openxmlformats.org/presentationml/2006/main">
   <p:cSld>
     <p:spTree>
@@ -3710,7 +4164,7 @@
 </p:sld>
 </file>
 
-<file path=ppt/slides/slide4.xml><?xml version="1.0" encoding="utf-8"?>
+<file path=ppt/slides/slide5.xml><?xml version="1.0" encoding="utf-8"?>
 <p:sld xmlns:a="http://schemas.openxmlformats.org/drawingml/2006/main" xmlns:r="http://schemas.openxmlformats.org/officeDocument/2006/relationships" xmlns:p="http://schemas.openxmlformats.org/presentationml/2006/main">
   <p:cSld>
     <p:spTree>
@@ -3743,7 +4197,12 @@
             <p:ph type="title"/>
           </p:nvPr>
         </p:nvSpPr>
-        <p:spPr/>
+        <p:spPr>
+          <a:xfrm>
+            <a:off x="0" y="365125"/>
+            <a:ext cx="12192000" cy="1325563"/>
+          </a:xfrm>
+        </p:spPr>
         <p:txBody>
           <a:bodyPr/>
           <a:lstStyle/>
@@ -3751,7 +4210,19 @@
             <a:pPr algn="ctr"/>
             <a:r>
               <a:rPr lang="en-US" dirty="0" smtClean="0"/>
-              <a:t>…but what does their foundation look like? </a:t>
+              <a:t>…</a:t>
+            </a:r>
+            <a:r>
+              <a:rPr lang="en-US" dirty="0" smtClean="0"/>
+              <a:t>but their </a:t>
+            </a:r>
+            <a:r>
+              <a:rPr lang="en-US" dirty="0" smtClean="0"/>
+              <a:t>technical </a:t>
+            </a:r>
+            <a:r>
+              <a:rPr lang="en-US" dirty="0" smtClean="0"/>
+              <a:t>foundation often looks like this. </a:t>
             </a:r>
             <a:endParaRPr lang="en-US" dirty="0"/>
           </a:p>
@@ -3814,7 +4285,7 @@
 </p:sld>
 </file>
 
-<file path=ppt/slides/slide5.xml><?xml version="1.0" encoding="utf-8"?>
+<file path=ppt/slides/slide6.xml><?xml version="1.0" encoding="utf-8"?>
 <p:sld xmlns:a="http://schemas.openxmlformats.org/drawingml/2006/main" xmlns:r="http://schemas.openxmlformats.org/officeDocument/2006/relationships" xmlns:p="http://schemas.openxmlformats.org/presentationml/2006/main">
   <p:cSld>
     <p:spTree>
@@ -3847,7 +4318,12 @@
             <p:ph type="title"/>
           </p:nvPr>
         </p:nvSpPr>
-        <p:spPr/>
+        <p:spPr>
+          <a:xfrm>
+            <a:off x="0" y="365125"/>
+            <a:ext cx="12192000" cy="1325563"/>
+          </a:xfrm>
+        </p:spPr>
         <p:txBody>
           <a:bodyPr/>
           <a:lstStyle/>
@@ -3855,7 +4331,11 @@
             <a:pPr algn="ctr"/>
             <a:r>
               <a:rPr lang="en-US" dirty="0" smtClean="0"/>
-              <a:t>And, how are we teaching them?</a:t>
+              <a:t>And, </a:t>
+            </a:r>
+            <a:r>
+              <a:rPr lang="en-US" dirty="0" smtClean="0"/>
+              <a:t>our teaching methods aren’t much better.</a:t>
             </a:r>
             <a:endParaRPr lang="en-US" dirty="0"/>
           </a:p>
@@ -3925,165 +4405,6 @@
 </p:sld>
 </file>
 
-<file path=ppt/slides/slide6.xml><?xml version="1.0" encoding="utf-8"?>
-<p:sld xmlns:a="http://schemas.openxmlformats.org/drawingml/2006/main" xmlns:r="http://schemas.openxmlformats.org/officeDocument/2006/relationships" xmlns:p="http://schemas.openxmlformats.org/presentationml/2006/main">
-  <p:cSld>
-    <p:spTree>
-      <p:nvGrpSpPr>
-        <p:cNvPr id="1" name=""/>
-        <p:cNvGrpSpPr/>
-        <p:nvPr/>
-      </p:nvGrpSpPr>
-      <p:grpSpPr>
-        <a:xfrm>
-          <a:off x="0" y="0"/>
-          <a:ext cx="0" cy="0"/>
-          <a:chOff x="0" y="0"/>
-          <a:chExt cx="0" cy="0"/>
-        </a:xfrm>
-      </p:grpSpPr>
-      <p:sp>
-        <p:nvSpPr>
-          <p:cNvPr id="2" name="Title 1"/>
-          <p:cNvSpPr>
-            <a:spLocks noGrp="1"/>
-          </p:cNvSpPr>
-          <p:nvPr>
-            <p:ph type="title"/>
-          </p:nvPr>
-        </p:nvSpPr>
-        <p:spPr/>
-        <p:txBody>
-          <a:bodyPr/>
-          <a:lstStyle/>
-          <a:p>
-            <a:pPr algn="ctr"/>
-            <a:r>
-              <a:rPr lang="en-US" dirty="0" smtClean="0"/>
-              <a:t>So what </a:t>
-            </a:r>
-            <a:r>
-              <a:rPr lang="en-US" dirty="0" smtClean="0"/>
-              <a:t>is a DataStory?</a:t>
-            </a:r>
-            <a:endParaRPr lang="en-US" dirty="0"/>
-          </a:p>
-        </p:txBody>
-      </p:sp>
-      <p:sp>
-        <p:nvSpPr>
-          <p:cNvPr id="3" name="Content Placeholder 2"/>
-          <p:cNvSpPr>
-            <a:spLocks noGrp="1"/>
-          </p:cNvSpPr>
-          <p:nvPr>
-            <p:ph idx="1"/>
-          </p:nvPr>
-        </p:nvSpPr>
-        <p:spPr>
-          <a:xfrm>
-            <a:off x="838200" y="1825624"/>
-            <a:ext cx="10515600" cy="3267075"/>
-          </a:xfrm>
-        </p:spPr>
-        <p:txBody>
-          <a:bodyPr>
-            <a:normAutofit/>
-          </a:bodyPr>
-          <a:lstStyle/>
-          <a:p>
-            <a:pPr marL="0" indent="0" algn="ctr">
-              <a:buNone/>
-            </a:pPr>
-            <a:endParaRPr lang="en-US" dirty="0"/>
-          </a:p>
-          <a:p>
-            <a:pPr marL="0" indent="0" algn="ctr">
-              <a:buNone/>
-            </a:pPr>
-            <a:r>
-              <a:rPr lang="en-US" dirty="0" smtClean="0">
-                <a:latin typeface="+mj-lt"/>
-              </a:rPr>
-              <a:t>What </a:t>
-            </a:r>
-            <a:r>
-              <a:rPr lang="en-US" dirty="0">
-                <a:latin typeface="+mj-lt"/>
-              </a:rPr>
-              <a:t>do you get when you cross a group of comic book characters with a dataset, basic statistics, and open-science tools?  You get a </a:t>
-            </a:r>
-            <a:r>
-              <a:rPr lang="en-US" b="1" dirty="0">
-                <a:latin typeface="+mj-lt"/>
-              </a:rPr>
-              <a:t>data story</a:t>
-            </a:r>
-            <a:r>
-              <a:rPr lang="en-US" dirty="0">
-                <a:latin typeface="+mj-lt"/>
-              </a:rPr>
-              <a:t>.  </a:t>
-            </a:r>
-            <a:endParaRPr lang="en-US" dirty="0">
-              <a:latin typeface="+mj-lt"/>
-            </a:endParaRPr>
-          </a:p>
-          <a:p>
-            <a:pPr marL="0" indent="0" algn="ctr">
-              <a:buNone/>
-            </a:pPr>
-            <a:endParaRPr lang="en-US" dirty="0" smtClean="0">
-              <a:latin typeface="+mj-lt"/>
-            </a:endParaRPr>
-          </a:p>
-          <a:p>
-            <a:pPr marL="0" indent="0" algn="ctr">
-              <a:buNone/>
-            </a:pPr>
-            <a:r>
-              <a:rPr lang="en-US" dirty="0" smtClean="0">
-                <a:latin typeface="+mj-lt"/>
-              </a:rPr>
-              <a:t>A </a:t>
-            </a:r>
-            <a:r>
-              <a:rPr lang="en-US" dirty="0">
-                <a:latin typeface="+mj-lt"/>
-              </a:rPr>
-              <a:t>data story – as its name suggests – is narrative about a data set with the primary objective of educating even as it </a:t>
-            </a:r>
-            <a:r>
-              <a:rPr lang="en-US" dirty="0" smtClean="0">
-                <a:latin typeface="+mj-lt"/>
-              </a:rPr>
-              <a:t>engages the </a:t>
-            </a:r>
-            <a:r>
-              <a:rPr lang="en-US" dirty="0" smtClean="0">
-                <a:latin typeface="+mj-lt"/>
-              </a:rPr>
-              <a:t>student in a journey through its narrative arc. </a:t>
-            </a:r>
-            <a:endParaRPr lang="en-US" dirty="0">
-              <a:latin typeface="+mj-lt"/>
-            </a:endParaRPr>
-          </a:p>
-        </p:txBody>
-      </p:sp>
-    </p:spTree>
-    <p:extLst>
-      <p:ext uri="{BB962C8B-B14F-4D97-AF65-F5344CB8AC3E}">
-        <p14:creationId xmlns:p14="http://schemas.microsoft.com/office/powerpoint/2010/main" val="3502050441"/>
-      </p:ext>
-    </p:extLst>
-  </p:cSld>
-  <p:clrMapOvr>
-    <a:masterClrMapping/>
-  </p:clrMapOvr>
-</p:sld>
-</file>
-
 <file path=ppt/slides/slide7.xml><?xml version="1.0" encoding="utf-8"?>
 <p:sld xmlns:a="http://schemas.openxmlformats.org/drawingml/2006/main" xmlns:r="http://schemas.openxmlformats.org/officeDocument/2006/relationships" xmlns:p="http://schemas.openxmlformats.org/presentationml/2006/main">
   <p:cSld>
@@ -4119,75 +4440,108 @@
             <a:pPr algn="ctr"/>
             <a:r>
               <a:rPr lang="en-US" dirty="0" smtClean="0"/>
-              <a:t>Current Production Schedule</a:t>
+              <a:t>So what is a DataStory?</a:t>
             </a:r>
             <a:endParaRPr lang="en-US" dirty="0"/>
           </a:p>
         </p:txBody>
       </p:sp>
-      <p:pic>
-        <p:nvPicPr>
-          <p:cNvPr id="4" name="Content Placeholder 3"/>
-          <p:cNvPicPr>
-            <a:picLocks noGrp="1" noChangeAspect="1"/>
-          </p:cNvPicPr>
+      <p:sp>
+        <p:nvSpPr>
+          <p:cNvPr id="3" name="Content Placeholder 2"/>
+          <p:cNvSpPr>
+            <a:spLocks noGrp="1"/>
+          </p:cNvSpPr>
           <p:nvPr>
             <p:ph idx="1"/>
           </p:nvPr>
-        </p:nvPicPr>
-        <p:blipFill>
-          <a:blip r:embed="rId2">
-            <a:extLst>
-              <a:ext uri="{28A0092B-C50C-407E-A947-70E740481C1C}">
-                <a14:useLocalDpi xmlns:a14="http://schemas.microsoft.com/office/drawing/2010/main" val="0"/>
-              </a:ext>
-            </a:extLst>
-          </a:blip>
-          <a:stretch>
-            <a:fillRect/>
-          </a:stretch>
-        </p:blipFill>
+        </p:nvSpPr>
         <p:spPr>
           <a:xfrm>
-            <a:off x="1369681" y="2465965"/>
-            <a:ext cx="4753638" cy="3096057"/>
+            <a:off x="838200" y="1825624"/>
+            <a:ext cx="10515600" cy="3267075"/>
           </a:xfrm>
         </p:spPr>
-      </p:pic>
-      <p:pic>
-        <p:nvPicPr>
-          <p:cNvPr id="5" name="Picture 4"/>
-          <p:cNvPicPr>
-            <a:picLocks noChangeAspect="1"/>
-          </p:cNvPicPr>
-          <p:nvPr/>
-        </p:nvPicPr>
-        <p:blipFill>
-          <a:blip r:embed="rId3">
-            <a:extLst>
-              <a:ext uri="{28A0092B-C50C-407E-A947-70E740481C1C}">
-                <a14:useLocalDpi xmlns:a14="http://schemas.microsoft.com/office/drawing/2010/main" val="0"/>
-              </a:ext>
-            </a:extLst>
-          </a:blip>
-          <a:stretch>
-            <a:fillRect/>
-          </a:stretch>
-        </p:blipFill>
-        <p:spPr>
-          <a:xfrm>
-            <a:off x="6478587" y="2465965"/>
-            <a:ext cx="4443413" cy="3096057"/>
-          </a:xfrm>
-          <a:prstGeom prst="rect">
-            <a:avLst/>
-          </a:prstGeom>
-        </p:spPr>
-      </p:pic>
+        <p:txBody>
+          <a:bodyPr>
+            <a:normAutofit/>
+          </a:bodyPr>
+          <a:lstStyle/>
+          <a:p>
+            <a:pPr marL="0" indent="0" algn="ctr">
+              <a:buNone/>
+            </a:pPr>
+            <a:endParaRPr lang="en-US" dirty="0"/>
+          </a:p>
+          <a:p>
+            <a:pPr marL="0" indent="0" algn="ctr">
+              <a:buNone/>
+            </a:pPr>
+            <a:r>
+              <a:rPr lang="en-US" dirty="0" smtClean="0">
+                <a:latin typeface="+mj-lt"/>
+              </a:rPr>
+              <a:t>What </a:t>
+            </a:r>
+            <a:r>
+              <a:rPr lang="en-US" dirty="0">
+                <a:latin typeface="+mj-lt"/>
+              </a:rPr>
+              <a:t>do you get when you cross a group of comic book characters with a dataset, basic statistics, and open-science tools?  You get a </a:t>
+            </a:r>
+            <a:r>
+              <a:rPr lang="en-US" b="1" dirty="0">
+                <a:latin typeface="+mj-lt"/>
+              </a:rPr>
+              <a:t>data story</a:t>
+            </a:r>
+            <a:r>
+              <a:rPr lang="en-US" dirty="0">
+                <a:latin typeface="+mj-lt"/>
+              </a:rPr>
+              <a:t>.  </a:t>
+            </a:r>
+          </a:p>
+          <a:p>
+            <a:pPr marL="0" indent="0" algn="ctr">
+              <a:buNone/>
+            </a:pPr>
+            <a:endParaRPr lang="en-US" dirty="0" smtClean="0">
+              <a:latin typeface="+mj-lt"/>
+            </a:endParaRPr>
+          </a:p>
+          <a:p>
+            <a:pPr marL="0" indent="0" algn="ctr">
+              <a:buNone/>
+            </a:pPr>
+            <a:r>
+              <a:rPr lang="en-US" dirty="0" smtClean="0">
+                <a:latin typeface="+mj-lt"/>
+              </a:rPr>
+              <a:t>A </a:t>
+            </a:r>
+            <a:r>
+              <a:rPr lang="en-US" dirty="0">
+                <a:latin typeface="+mj-lt"/>
+              </a:rPr>
+              <a:t>data story – as its name suggests – is narrative about a data set with the primary objective of educating even as it </a:t>
+            </a:r>
+            <a:r>
+              <a:rPr lang="en-US" dirty="0" smtClean="0">
+                <a:latin typeface="+mj-lt"/>
+              </a:rPr>
+              <a:t>engages the student in a journey through its narrative arc. </a:t>
+            </a:r>
+            <a:endParaRPr lang="en-US" dirty="0">
+              <a:latin typeface="+mj-lt"/>
+            </a:endParaRPr>
+          </a:p>
+        </p:txBody>
+      </p:sp>
     </p:spTree>
     <p:extLst>
       <p:ext uri="{BB962C8B-B14F-4D97-AF65-F5344CB8AC3E}">
-        <p14:creationId xmlns:p14="http://schemas.microsoft.com/office/powerpoint/2010/main" val="3284377727"/>
+        <p14:creationId xmlns:p14="http://schemas.microsoft.com/office/powerpoint/2010/main" val="3502050441"/>
       </p:ext>
     </p:extLst>
   </p:cSld>
@@ -4232,7 +4586,80 @@
             <a:pPr algn="ctr"/>
             <a:r>
               <a:rPr lang="en-US" dirty="0" smtClean="0"/>
-              <a:t>The Explanatory Core</a:t>
+              <a:t>The Data Story Characters</a:t>
+            </a:r>
+            <a:endParaRPr lang="en-US" dirty="0"/>
+          </a:p>
+        </p:txBody>
+      </p:sp>
+      <p:sp>
+        <p:nvSpPr>
+          <p:cNvPr id="3" name="Content Placeholder 2"/>
+          <p:cNvSpPr>
+            <a:spLocks noGrp="1"/>
+          </p:cNvSpPr>
+          <p:nvPr>
+            <p:ph idx="1"/>
+          </p:nvPr>
+        </p:nvSpPr>
+        <p:spPr/>
+        <p:txBody>
+          <a:bodyPr/>
+          <a:lstStyle/>
+          <a:p>
+            <a:endParaRPr lang="en-US" dirty="0"/>
+          </a:p>
+        </p:txBody>
+      </p:sp>
+    </p:spTree>
+    <p:extLst>
+      <p:ext uri="{BB962C8B-B14F-4D97-AF65-F5344CB8AC3E}">
+        <p14:creationId xmlns:p14="http://schemas.microsoft.com/office/powerpoint/2010/main" val="1934848501"/>
+      </p:ext>
+    </p:extLst>
+  </p:cSld>
+  <p:clrMapOvr>
+    <a:masterClrMapping/>
+  </p:clrMapOvr>
+</p:sld>
+</file>
+
+<file path=ppt/slides/slide9.xml><?xml version="1.0" encoding="utf-8"?>
+<p:sld xmlns:a="http://schemas.openxmlformats.org/drawingml/2006/main" xmlns:r="http://schemas.openxmlformats.org/officeDocument/2006/relationships" xmlns:p="http://schemas.openxmlformats.org/presentationml/2006/main">
+  <p:cSld>
+    <p:spTree>
+      <p:nvGrpSpPr>
+        <p:cNvPr id="1" name=""/>
+        <p:cNvGrpSpPr/>
+        <p:nvPr/>
+      </p:nvGrpSpPr>
+      <p:grpSpPr>
+        <a:xfrm>
+          <a:off x="0" y="0"/>
+          <a:ext cx="0" cy="0"/>
+          <a:chOff x="0" y="0"/>
+          <a:chExt cx="0" cy="0"/>
+        </a:xfrm>
+      </p:grpSpPr>
+      <p:sp>
+        <p:nvSpPr>
+          <p:cNvPr id="2" name="Title 1"/>
+          <p:cNvSpPr>
+            <a:spLocks noGrp="1"/>
+          </p:cNvSpPr>
+          <p:nvPr>
+            <p:ph type="title"/>
+          </p:nvPr>
+        </p:nvSpPr>
+        <p:spPr/>
+        <p:txBody>
+          <a:bodyPr/>
+          <a:lstStyle/>
+          <a:p>
+            <a:pPr algn="ctr"/>
+            <a:r>
+              <a:rPr lang="en-US" dirty="0" smtClean="0"/>
+              <a:t>Data Stories Slated for Production</a:t>
             </a:r>
             <a:endParaRPr lang="en-US" dirty="0"/>
           </a:p>
@@ -4240,7 +4667,7 @@
       </p:sp>
       <p:pic>
         <p:nvPicPr>
-          <p:cNvPr id="6" name="Content Placeholder 5"/>
+          <p:cNvPr id="4" name="Content Placeholder 3"/>
           <p:cNvPicPr>
             <a:picLocks noGrp="1" noChangeAspect="1"/>
           </p:cNvPicPr>
@@ -4262,15 +4689,45 @@
         </p:blipFill>
         <p:spPr>
           <a:xfrm>
-            <a:off x="4486275" y="2482056"/>
-            <a:ext cx="3219450" cy="3260375"/>
+            <a:off x="1369681" y="2465965"/>
+            <a:ext cx="4753638" cy="3096057"/>
           </a:xfrm>
+        </p:spPr>
+      </p:pic>
+      <p:pic>
+        <p:nvPicPr>
+          <p:cNvPr id="5" name="Picture 4"/>
+          <p:cNvPicPr>
+            <a:picLocks noChangeAspect="1"/>
+          </p:cNvPicPr>
+          <p:nvPr/>
+        </p:nvPicPr>
+        <p:blipFill>
+          <a:blip r:embed="rId3">
+            <a:extLst>
+              <a:ext uri="{28A0092B-C50C-407E-A947-70E740481C1C}">
+                <a14:useLocalDpi xmlns:a14="http://schemas.microsoft.com/office/drawing/2010/main" val="0"/>
+              </a:ext>
+            </a:extLst>
+          </a:blip>
+          <a:stretch>
+            <a:fillRect/>
+          </a:stretch>
+        </p:blipFill>
+        <p:spPr>
+          <a:xfrm>
+            <a:off x="6478587" y="2465965"/>
+            <a:ext cx="4443413" cy="3096057"/>
+          </a:xfrm>
+          <a:prstGeom prst="rect">
+            <a:avLst/>
+          </a:prstGeom>
         </p:spPr>
       </p:pic>
     </p:spTree>
     <p:extLst>
       <p:ext uri="{BB962C8B-B14F-4D97-AF65-F5344CB8AC3E}">
-        <p14:creationId xmlns:p14="http://schemas.microsoft.com/office/powerpoint/2010/main" val="279365900"/>
+        <p14:creationId xmlns:p14="http://schemas.microsoft.com/office/powerpoint/2010/main" val="3284377727"/>
       </p:ext>
     </p:extLst>
   </p:cSld>
